--- a/Tutorial_10/CS1010_TutC09_10.pptx
+++ b/Tutorial_10/CS1010_TutC09_10.pptx
@@ -1050,6 +1050,34 @@
           <a:bodyPr/>
           <a:lstStyle/>
           <a:p>
+            <a:pPr marL="171450" indent="-171450">
+              <a:buFontTx/>
+              <a:buChar char="-"/>
+            </a:pPr>
+            <a:r>
+              <a:rPr lang="en-US" dirty="0"/>
+              <a:t>Fail to consider if x is already the root</a:t>
+            </a:r>
+          </a:p>
+          <a:p>
+            <a:pPr marL="171450" indent="-171450">
+              <a:buFontTx/>
+              <a:buChar char="-"/>
+            </a:pPr>
+            <a:r>
+              <a:rPr lang="en-US" dirty="0"/>
+              <a:t>Using the wrong type (long instead of double, float instead of double</a:t>
+            </a:r>
+          </a:p>
+          <a:p>
+            <a:pPr marL="171450" indent="-171450">
+              <a:buFontTx/>
+              <a:buChar char="-"/>
+            </a:pPr>
+            <a:r>
+              <a:rPr lang="en-US" dirty="0"/>
+              <a:t>Wrong terminating conditions (did not take `fabs`, use `&gt;` instead of `&lt;`, comparing with 0.001 instead of 0.000000001, terminating after 4 times, etc.)</a:t>
+            </a:r>
             <a:endParaRPr lang="en-SG" dirty="0"/>
           </a:p>
         </p:txBody>

--- a/Tutorial_10/CS1010_TutC09_10.pptx
+++ b/Tutorial_10/CS1010_TutC09_10.pptx
@@ -10590,7 +10590,11 @@
               <a:t>For instance, if the input is </a:t>
             </a:r>
             <a:r>
-              <a:rPr lang="en-US" dirty="0" err="1"/>
+              <a:rPr lang="en-US" b="1" dirty="0" err="1">
+                <a:solidFill>
+                  <a:srgbClr val="00B050"/>
+                </a:solidFill>
+              </a:rPr>
               <a:t>aaa</a:t>
             </a:r>
             <a:r>
@@ -10598,7 +10602,11 @@
               <a:t>, the existing code would print </a:t>
             </a:r>
             <a:r>
-              <a:rPr lang="en-US" dirty="0" err="1"/>
+              <a:rPr lang="en-US" b="1" dirty="0" err="1">
+                <a:solidFill>
+                  <a:srgbClr val="00B050"/>
+                </a:solidFill>
+              </a:rPr>
               <a:t>aaa</a:t>
             </a:r>
             <a:r>
@@ -25835,115 +25843,6 @@
             </a:r>
           </a:p>
           <a:p>
-            <a:pPr marL="0" lvl="0" indent="0" defTabSz="457200" hangingPunct="0">
-              <a:lnSpc>
-                <a:spcPct val="100000"/>
-              </a:lnSpc>
-              <a:spcBef>
-                <a:spcPts val="0"/>
-              </a:spcBef>
-              <a:spcAft>
-                <a:spcPts val="0"/>
-              </a:spcAft>
-              <a:buNone/>
-              <a:defRPr sz="1760">
-                <a:solidFill>
-                  <a:srgbClr val="37474F"/>
-                </a:solidFill>
-                <a:latin typeface="Monaco"/>
-                <a:ea typeface="Monaco"/>
-                <a:cs typeface="Monaco"/>
-                <a:sym typeface="Monaco"/>
-              </a:defRPr>
-            </a:pPr>
-            <a:endParaRPr lang="en-SG" sz="2000" kern="0" dirty="0">
-              <a:solidFill>
-                <a:srgbClr val="37474F"/>
-              </a:solidFill>
-              <a:latin typeface="Monaco"/>
-              <a:sym typeface="Monaco"/>
-            </a:endParaRPr>
-          </a:p>
-          <a:p>
-            <a:pPr marL="0" lvl="0" indent="0" defTabSz="457200" hangingPunct="0">
-              <a:lnSpc>
-                <a:spcPct val="100000"/>
-              </a:lnSpc>
-              <a:spcBef>
-                <a:spcPts val="0"/>
-              </a:spcBef>
-              <a:spcAft>
-                <a:spcPts val="0"/>
-              </a:spcAft>
-              <a:buNone/>
-              <a:defRPr sz="1760">
-                <a:solidFill>
-                  <a:srgbClr val="37474F"/>
-                </a:solidFill>
-                <a:latin typeface="Monaco"/>
-                <a:ea typeface="Monaco"/>
-                <a:cs typeface="Monaco"/>
-                <a:sym typeface="Monaco"/>
-              </a:defRPr>
-            </a:pPr>
-            <a:r>
-              <a:rPr lang="en-SG" sz="2000" b="1" dirty="0">
-                <a:solidFill>
-                  <a:srgbClr val="00B050"/>
-                </a:solidFill>
-                <a:sym typeface="Monaco"/>
-              </a:rPr>
-              <a:t>T(k) = 2T(k − 1) + 1 = 4T(k − 2) + 2 + 1 = 8T(k − 2) + 4 + 2 + 1=...</a:t>
-            </a:r>
-            <a:endParaRPr lang="en-SG" sz="2000" b="1" kern="0" dirty="0">
-              <a:solidFill>
-                <a:srgbClr val="00B050"/>
-              </a:solidFill>
-              <a:latin typeface="Monaco"/>
-              <a:sym typeface="Monaco"/>
-            </a:endParaRPr>
-          </a:p>
-          <a:p>
-            <a:pPr marL="0" lvl="0" indent="0" defTabSz="457200" hangingPunct="0">
-              <a:lnSpc>
-                <a:spcPct val="100000"/>
-              </a:lnSpc>
-              <a:spcBef>
-                <a:spcPts val="0"/>
-              </a:spcBef>
-              <a:spcAft>
-                <a:spcPts val="0"/>
-              </a:spcAft>
-              <a:buNone/>
-              <a:defRPr sz="1760">
-                <a:solidFill>
-                  <a:srgbClr val="37474F"/>
-                </a:solidFill>
-                <a:latin typeface="Monaco"/>
-                <a:ea typeface="Monaco"/>
-                <a:cs typeface="Monaco"/>
-                <a:sym typeface="Monaco"/>
-              </a:defRPr>
-            </a:pPr>
-            <a:r>
-              <a:rPr lang="de-DE" sz="2000" b="1" dirty="0">
-                <a:solidFill>
-                  <a:srgbClr val="00B050"/>
-                </a:solidFill>
-                <a:latin typeface="Monaco"/>
-                <a:sym typeface="Monaco"/>
-              </a:rPr>
-              <a:t>T(k) = 2k − 1 + 2k − 2 +...+ 4 + 2 + 1 = 2k−1</a:t>
-            </a:r>
-            <a:endParaRPr lang="en-SG" sz="2000" b="1" dirty="0">
-              <a:solidFill>
-                <a:srgbClr val="00B050"/>
-              </a:solidFill>
-              <a:latin typeface="Monaco"/>
-              <a:sym typeface="Monaco"/>
-            </a:endParaRPr>
-          </a:p>
-          <a:p>
             <a:pPr marL="0" indent="0">
               <a:buNone/>
             </a:pPr>
@@ -25951,6 +25850,36 @@
           </a:p>
         </p:txBody>
       </p:sp>
+      <p:pic>
+        <p:nvPicPr>
+          <p:cNvPr id="4" name="Picture 3">
+            <a:extLst>
+              <a:ext uri="{FF2B5EF4-FFF2-40B4-BE49-F238E27FC236}">
+                <a16:creationId xmlns:a16="http://schemas.microsoft.com/office/drawing/2014/main" id="{D07E0B3B-CBB5-421A-982A-729F766BD43C}"/>
+              </a:ext>
+            </a:extLst>
+          </p:cNvPr>
+          <p:cNvPicPr>
+            <a:picLocks noChangeAspect="1"/>
+          </p:cNvPicPr>
+          <p:nvPr/>
+        </p:nvPicPr>
+        <p:blipFill>
+          <a:blip r:embed="rId2"/>
+          <a:stretch>
+            <a:fillRect/>
+          </a:stretch>
+        </p:blipFill>
+        <p:spPr>
+          <a:xfrm>
+            <a:off x="1371600" y="5730875"/>
+            <a:ext cx="5543550" cy="657225"/>
+          </a:xfrm>
+          <a:prstGeom prst="rect">
+            <a:avLst/>
+          </a:prstGeom>
+        </p:spPr>
+      </p:pic>
     </p:spTree>
     <p:extLst>
       <p:ext uri="{BB962C8B-B14F-4D97-AF65-F5344CB8AC3E}">

--- a/Tutorial_10/CS1010_TutC09_10.pptx
+++ b/Tutorial_10/CS1010_TutC09_10.pptx
@@ -1066,7 +1066,7 @@
             </a:pPr>
             <a:r>
               <a:rPr lang="en-US" dirty="0"/>
-              <a:t>Using the wrong type (long instead of double, float instead of double</a:t>
+              <a:t>Using the wrong type (long instead of double, float instead of double)</a:t>
             </a:r>
           </a:p>
           <a:p>
@@ -23779,19 +23779,19 @@
               </a:spcAft>
             </a:pPr>
             <a:r>
-              <a:rPr lang="en-SG" b="1"/>
+              <a:rPr lang="en-SG" b="1" dirty="0"/>
               <a:t>Evan Tay </a:t>
             </a:r>
             <a:r>
-              <a:rPr lang="en-SG"/>
+              <a:rPr lang="en-SG" dirty="0"/>
               <a:t>|</a:t>
             </a:r>
             <a:r>
-              <a:rPr lang="en-SG" b="1"/>
+              <a:rPr lang="en-SG" b="1" dirty="0"/>
               <a:t> </a:t>
             </a:r>
             <a:r>
-              <a:rPr lang="en-SG" i="1"/>
+              <a:rPr lang="en-SG" i="1" dirty="0"/>
               <a:t>evantay@comp.nus.edu.sg</a:t>
             </a:r>
           </a:p>
@@ -23802,13 +23802,13 @@
               </a:spcAft>
             </a:pPr>
             <a:r>
-              <a:rPr lang="en-SG" b="1">
+              <a:rPr lang="en-SG" b="1" dirty="0">
                 <a:hlinkClick r:id="rId4"/>
               </a:rPr>
               <a:t>https://github.com/DigiPie/cs1010_tut_c09</a:t>
             </a:r>
             <a:r>
-              <a:rPr lang="en-SG" b="1"/>
+              <a:rPr lang="en-SG" b="1" dirty="0"/>
               <a:t> </a:t>
             </a:r>
           </a:p>
